--- a/assignment1/report-template-a1-with-GD.pptx
+++ b/assignment1/report-template-a1-with-GD.pptx
@@ -1973,7 +1973,7 @@
           </a:ln>
           <a:extLst>
             <a:ext uri="{C572A759-6A51-4108-AA02-DFA0A04FC94B}">
-              <ma14:wrappingTextBoxFlag xmlns:ma14="http://schemas.microsoft.com/office/mac/drawingml/2011/main" xmlns:a14="http://schemas.microsoft.com/office/drawing/2010/main" xmlns:m="http://schemas.openxmlformats.org/officeDocument/2006/math" xmlns="" val="1"/>
+              <ma14:wrappingTextBoxFlag xmlns="" xmlns:m="http://schemas.openxmlformats.org/officeDocument/2006/math" xmlns:a14="http://schemas.microsoft.com/office/drawing/2010/main" xmlns:ma14="http://schemas.microsoft.com/office/mac/drawingml/2011/main" val="1"/>
             </a:ext>
           </a:extLst>
         </p:spPr>
@@ -2012,7 +2012,7 @@
           </a:ln>
           <a:extLst>
             <a:ext uri="{C572A759-6A51-4108-AA02-DFA0A04FC94B}">
-              <ma14:wrappingTextBoxFlag xmlns:ma14="http://schemas.microsoft.com/office/mac/drawingml/2011/main" xmlns:a14="http://schemas.microsoft.com/office/drawing/2010/main" xmlns:m="http://schemas.openxmlformats.org/officeDocument/2006/math" xmlns="" val="1"/>
+              <ma14:wrappingTextBoxFlag xmlns="" xmlns:m="http://schemas.openxmlformats.org/officeDocument/2006/math" xmlns:a14="http://schemas.microsoft.com/office/drawing/2010/main" xmlns:ma14="http://schemas.microsoft.com/office/mac/drawingml/2011/main" val="1"/>
             </a:ext>
           </a:extLst>
         </p:spPr>
@@ -2981,6 +2981,11 @@
               <a:rPr dirty="0"/>
               <a:t>Name:</a:t>
             </a:r>
+            <a:r>
+              <a:rPr lang="en-US" dirty="0"/>
+              <a:t> Kyle Nguyen</a:t>
+            </a:r>
+            <a:endParaRPr dirty="0"/>
           </a:p>
           <a:p>
             <a:pPr marL="0" indent="0" defTabSz="850391">
@@ -2990,7 +2995,20 @@
               <a:rPr dirty="0"/>
               <a:t>GT Email:</a:t>
             </a:r>
-            <a:endParaRPr lang="en-US" dirty="0"/>
+            <a:r>
+              <a:rPr lang="en-US" dirty="0"/>
+              <a:t> </a:t>
+            </a:r>
+            <a:r>
+              <a:rPr lang="en-US" dirty="0">
+                <a:hlinkClick r:id="rId2"/>
+              </a:rPr>
+              <a:t>kyle.nguyen@gatech.edu</a:t>
+            </a:r>
+            <a:r>
+              <a:rPr lang="en-US" dirty="0"/>
+              <a:t> </a:t>
+            </a:r>
           </a:p>
         </p:txBody>
       </p:sp>
@@ -3039,7 +3057,7 @@
           </a:ln>
           <a:extLst>
             <a:ext uri="{C572A759-6A51-4108-AA02-DFA0A04FC94B}">
-              <ma14:wrappingTextBoxFlag xmlns:ma14="http://schemas.microsoft.com/office/mac/drawingml/2011/main" xmlns:a14="http://schemas.microsoft.com/office/drawing/2010/main" xmlns:m="http://schemas.openxmlformats.org/officeDocument/2006/math" xmlns="" val="1"/>
+              <ma14:wrappingTextBoxFlag xmlns="" xmlns:m="http://schemas.openxmlformats.org/officeDocument/2006/math" xmlns:a14="http://schemas.microsoft.com/office/drawing/2010/main" xmlns:ma14="http://schemas.microsoft.com/office/mac/drawingml/2011/main" val="1"/>
             </a:ext>
           </a:extLst>
         </p:spPr>
@@ -5125,8 +5143,8 @@
               <a:defRPr sz="1488"/>
             </a:pPr>
             <a:r>
-              <a:rPr dirty="0"/>
-              <a:t>Name:</a:t>
+              <a:rPr lang="en-SG" dirty="0"/>
+              <a:t>Name: Kyle Nguyen</a:t>
             </a:r>
           </a:p>
           <a:p>
@@ -5134,10 +5152,19 @@
               <a:defRPr sz="1488"/>
             </a:pPr>
             <a:r>
-              <a:rPr dirty="0"/>
-              <a:t>GT Email:</a:t>
-            </a:r>
-            <a:endParaRPr lang="en-US" dirty="0"/>
+              <a:rPr lang="en-SG" dirty="0"/>
+              <a:t>GT Email: </a:t>
+            </a:r>
+            <a:r>
+              <a:rPr lang="en-SG" dirty="0">
+                <a:hlinkClick r:id="rId2"/>
+              </a:rPr>
+              <a:t>kyle.nguyen@gatech.edu</a:t>
+            </a:r>
+            <a:r>
+              <a:rPr lang="en-SG" dirty="0"/>
+              <a:t> </a:t>
+            </a:r>
           </a:p>
         </p:txBody>
       </p:sp>
@@ -5524,8 +5551,8 @@
               <a:defRPr sz="1488"/>
             </a:pPr>
             <a:r>
-              <a:rPr dirty="0"/>
-              <a:t>Name:</a:t>
+              <a:rPr lang="en-SG" dirty="0"/>
+              <a:t>Name: Kyle Nguyen</a:t>
             </a:r>
           </a:p>
           <a:p>
@@ -5533,10 +5560,19 @@
               <a:defRPr sz="1488"/>
             </a:pPr>
             <a:r>
-              <a:rPr dirty="0"/>
-              <a:t>GT Email:</a:t>
-            </a:r>
-            <a:endParaRPr lang="en-US" dirty="0"/>
+              <a:rPr lang="en-SG" dirty="0"/>
+              <a:t>GT Email: </a:t>
+            </a:r>
+            <a:r>
+              <a:rPr lang="en-SG" dirty="0">
+                <a:hlinkClick r:id="rId2"/>
+              </a:rPr>
+              <a:t>kyle.nguyen@gatech.edu</a:t>
+            </a:r>
+            <a:r>
+              <a:rPr lang="en-SG" dirty="0"/>
+              <a:t> </a:t>
+            </a:r>
           </a:p>
         </p:txBody>
       </p:sp>
